--- a/docs/ppt_grade9.pptx
+++ b/docs/ppt_grade9.pptx
@@ -273,7 +273,7 @@
               <a:pPr>
                 <a:defRPr/>
               </a:pPr>
-              <a:t>2022-03-29</a:t>
+              <a:t>2022-03-31</a:t>
             </a:fld>
             <a:endParaRPr lang="en-CA"/>
           </a:p>
@@ -469,7 +469,7 @@
               <a:pPr>
                 <a:defRPr/>
               </a:pPr>
-              <a:t>3/29/2022</a:t>
+              <a:t>3/31/2022</a:t>
             </a:fld>
             <a:endParaRPr lang="en-US"/>
           </a:p>
@@ -15640,6 +15640,33 @@
 </file>
 
 <file path=customXml/item1.xml><?xml version="1.0" encoding="utf-8"?>
+<p:properties xmlns:p="http://schemas.microsoft.com/office/2006/metadata/properties" xmlns:xsi="http://www.w3.org/2001/XMLSchema-instance" xmlns:pc="http://schemas.microsoft.com/office/infopath/2007/PartnerControls">
+  <documentManagement>
+    <SharedWithUsers xmlns="df4560bf-dcc9-4b34-a684-db3f36ef9520">
+      <UserInfo>
+        <DisplayName>Binet, Adam M (ASD-E)</DisplayName>
+        <AccountId>15</AccountId>
+        <AccountType/>
+      </UserInfo>
+    </SharedWithUsers>
+    <TaxCatchAll xmlns="df4560bf-dcc9-4b34-a684-db3f36ef9520" xsi:nil="true"/>
+    <lcf76f155ced4ddcb4097134ff3c332f xmlns="307939b7-0cde-41d2-aeda-6f535c019004">
+      <Terms xmlns="http://schemas.microsoft.com/office/infopath/2007/PartnerControls"/>
+    </lcf76f155ced4ddcb4097134ff3c332f>
+  </documentManagement>
+</p:properties>
+</file>
+
+<file path=customXml/item2.xml><?xml version="1.0" encoding="utf-8"?>
+<?mso-contentType ?>
+<FormTemplates xmlns="http://schemas.microsoft.com/sharepoint/v3/contenttype/forms">
+  <Display>DocumentLibraryForm</Display>
+  <Edit>DocumentLibraryForm</Edit>
+  <New>DocumentLibraryForm</New>
+</FormTemplates>
+</file>
+
+<file path=customXml/item3.xml><?xml version="1.0" encoding="utf-8"?>
 <ct:contentTypeSchema xmlns:ct="http://schemas.microsoft.com/office/2006/metadata/contentType" xmlns:ma="http://schemas.microsoft.com/office/2006/metadata/properties/metaAttributes" ct:_="" ma:_="" ma:contentTypeName="Document" ma:contentTypeID="0x010100F158DA173BC6914082C455C33BD4AC68" ma:contentTypeVersion="13" ma:contentTypeDescription="Create a new document." ma:contentTypeScope="" ma:versionID="f9f866c32cfcffeab42cba047e53eef9">
   <xsd:schema xmlns:xsd="http://www.w3.org/2001/XMLSchema" xmlns:xs="http://www.w3.org/2001/XMLSchema" xmlns:p="http://schemas.microsoft.com/office/2006/metadata/properties" xmlns:ns2="307939b7-0cde-41d2-aeda-6f535c019004" xmlns:ns3="df4560bf-dcc9-4b34-a684-db3f36ef9520" targetNamespace="http://schemas.microsoft.com/office/2006/metadata/properties" ma:root="true" ma:fieldsID="0b1861956fbdb594f106b92ec33d4181" ns2:_="" ns3:_="">
     <xsd:import namespace="307939b7-0cde-41d2-aeda-6f535c019004"/>
@@ -15858,34 +15885,32 @@
 </ct:contentTypeSchema>
 </file>
 
-<file path=customXml/item2.xml><?xml version="1.0" encoding="utf-8"?>
-<?mso-contentType ?>
-<FormTemplates xmlns="http://schemas.microsoft.com/sharepoint/v3/contenttype/forms">
-  <Display>DocumentLibraryForm</Display>
-  <Edit>DocumentLibraryForm</Edit>
-  <New>DocumentLibraryForm</New>
-</FormTemplates>
+<file path=customXml/itemProps1.xml><?xml version="1.0" encoding="utf-8"?>
+<ds:datastoreItem xmlns:ds="http://schemas.openxmlformats.org/officeDocument/2006/customXml" ds:itemID="{05A3FDA9-CF3F-43B1-A0AA-E8BEB456D8AA}">
+  <ds:schemaRefs>
+    <ds:schemaRef ds:uri="307939b7-0cde-41d2-aeda-6f535c019004"/>
+    <ds:schemaRef ds:uri="http://purl.org/dc/dcmitype/"/>
+    <ds:schemaRef ds:uri="http://purl.org/dc/elements/1.1/"/>
+    <ds:schemaRef ds:uri="http://purl.org/dc/terms/"/>
+    <ds:schemaRef ds:uri="http://schemas.microsoft.com/office/2006/documentManagement/types"/>
+    <ds:schemaRef ds:uri="http://schemas.microsoft.com/office/2006/metadata/properties"/>
+    <ds:schemaRef ds:uri="http://schemas.microsoft.com/office/infopath/2007/PartnerControls"/>
+    <ds:schemaRef ds:uri="http://schemas.openxmlformats.org/package/2006/metadata/core-properties"/>
+    <ds:schemaRef ds:uri="http://www.w3.org/XML/1998/namespace"/>
+    <ds:schemaRef ds:uri="df4560bf-dcc9-4b34-a684-db3f36ef9520"/>
+  </ds:schemaRefs>
+</ds:datastoreItem>
 </file>
 
-<file path=customXml/item3.xml><?xml version="1.0" encoding="utf-8"?>
-<p:properties xmlns:p="http://schemas.microsoft.com/office/2006/metadata/properties" xmlns:xsi="http://www.w3.org/2001/XMLSchema-instance" xmlns:pc="http://schemas.microsoft.com/office/infopath/2007/PartnerControls">
-  <documentManagement>
-    <SharedWithUsers xmlns="df4560bf-dcc9-4b34-a684-db3f36ef9520">
-      <UserInfo>
-        <DisplayName>Binet, Adam M (ASD-E)</DisplayName>
-        <AccountId>15</AccountId>
-        <AccountType/>
-      </UserInfo>
-    </SharedWithUsers>
-    <TaxCatchAll xmlns="df4560bf-dcc9-4b34-a684-db3f36ef9520" xsi:nil="true"/>
-    <lcf76f155ced4ddcb4097134ff3c332f xmlns="307939b7-0cde-41d2-aeda-6f535c019004">
-      <Terms xmlns="http://schemas.microsoft.com/office/infopath/2007/PartnerControls"/>
-    </lcf76f155ced4ddcb4097134ff3c332f>
-  </documentManagement>
-</p:properties>
+<file path=customXml/itemProps2.xml><?xml version="1.0" encoding="utf-8"?>
+<ds:datastoreItem xmlns:ds="http://schemas.openxmlformats.org/officeDocument/2006/customXml" ds:itemID="{422CED93-9481-4696-A6F4-918D4934DD88}">
+  <ds:schemaRefs>
+    <ds:schemaRef ds:uri="http://schemas.microsoft.com/sharepoint/v3/contenttype/forms"/>
+  </ds:schemaRefs>
+</ds:datastoreItem>
 </file>
 
-<file path=customXml/itemProps1.xml><?xml version="1.0" encoding="utf-8"?>
+<file path=customXml/itemProps3.xml><?xml version="1.0" encoding="utf-8"?>
 <ds:datastoreItem xmlns:ds="http://schemas.openxmlformats.org/officeDocument/2006/customXml" ds:itemID="{2226E544-F4B8-4D80-A18A-E2159553AFC3}">
   <ds:schemaRefs>
     <ds:schemaRef ds:uri="http://schemas.microsoft.com/office/2006/metadata/contentType"/>
@@ -15902,29 +15927,4 @@
     <ds:schemaRef ds:uri="http://schemas.microsoft.com/internal/obd"/>
   </ds:schemaRefs>
 </ds:datastoreItem>
-</file>
-
-<file path=customXml/itemProps2.xml><?xml version="1.0" encoding="utf-8"?>
-<ds:datastoreItem xmlns:ds="http://schemas.openxmlformats.org/officeDocument/2006/customXml" ds:itemID="{422CED93-9481-4696-A6F4-918D4934DD88}">
-  <ds:schemaRefs>
-    <ds:schemaRef ds:uri="http://schemas.microsoft.com/sharepoint/v3/contenttype/forms"/>
-  </ds:schemaRefs>
-</ds:datastoreItem>
-</file>
-
-<file path=customXml/itemProps3.xml><?xml version="1.0" encoding="utf-8"?>
-<ds:datastoreItem xmlns:ds="http://schemas.openxmlformats.org/officeDocument/2006/customXml" ds:itemID="{05A3FDA9-CF3F-43B1-A0AA-E8BEB456D8AA}">
-  <ds:schemaRefs>
-    <ds:schemaRef ds:uri="307939b7-0cde-41d2-aeda-6f535c019004"/>
-    <ds:schemaRef ds:uri="http://purl.org/dc/dcmitype/"/>
-    <ds:schemaRef ds:uri="http://purl.org/dc/elements/1.1/"/>
-    <ds:schemaRef ds:uri="http://purl.org/dc/terms/"/>
-    <ds:schemaRef ds:uri="http://schemas.microsoft.com/office/2006/documentManagement/types"/>
-    <ds:schemaRef ds:uri="http://schemas.microsoft.com/office/2006/metadata/properties"/>
-    <ds:schemaRef ds:uri="http://schemas.microsoft.com/office/infopath/2007/PartnerControls"/>
-    <ds:schemaRef ds:uri="http://schemas.openxmlformats.org/package/2006/metadata/core-properties"/>
-    <ds:schemaRef ds:uri="http://www.w3.org/XML/1998/namespace"/>
-    <ds:schemaRef ds:uri="df4560bf-dcc9-4b34-a684-db3f36ef9520"/>
-  </ds:schemaRefs>
-</ds:datastoreItem>
 </file>